--- a/preliminary_results/figures/poster.pptx
+++ b/preliminary_results/figures/poster.pptx
@@ -6,26 +6,24 @@
   </p:sldMasterIdLst>
   <p:sldIdLst>
     <p:sldId id="256" r:id="rId2"/>
-    <p:sldId id="258" r:id="rId3"/>
-    <p:sldId id="257" r:id="rId4"/>
   </p:sldIdLst>
   <p:sldSz cx="43891200" cy="32918400"/>
   <p:notesSz cx="6858000" cy="9144000"/>
   <p:embeddedFontLst>
     <p:embeddedFont>
       <p:font typeface="Amaranth" panose="020B0604020202020204" charset="0"/>
-      <p:regular r:id="rId5"/>
+      <p:regular r:id="rId3"/>
     </p:embeddedFont>
     <p:embeddedFont>
       <p:font typeface="Titillium Web" panose="00000500000000000000" pitchFamily="2" charset="0"/>
-      <p:regular r:id="rId6"/>
-      <p:bold r:id="rId7"/>
-      <p:italic r:id="rId8"/>
-      <p:boldItalic r:id="rId9"/>
+      <p:regular r:id="rId4"/>
+      <p:bold r:id="rId5"/>
+      <p:italic r:id="rId6"/>
+      <p:boldItalic r:id="rId7"/>
     </p:embeddedFont>
   </p:embeddedFontLst>
   <p:custDataLst>
-    <p:tags r:id="rId10"/>
+    <p:tags r:id="rId8"/>
   </p:custDataLst>
   <p:defaultTextStyle>
     <a:defPPr>
@@ -4305,67 +4303,7 @@
                 <a:latin typeface="Times New Roman" panose="02020603050405020304" pitchFamily="18" charset="0"/>
                 <a:cs typeface="Times New Roman" panose="02020603050405020304" pitchFamily="18" charset="0"/>
               </a:rPr>
-              <a:t>Joshua Ashley, </a:t>
-            </a:r>
-            <a:r>
-              <a:rPr lang="en-US" sz="5600" i="1" dirty="0" err="1">
-                <a:solidFill>
-                  <a:schemeClr val="bg1"/>
-                </a:solidFill>
-                <a:latin typeface="Times New Roman" panose="02020603050405020304" pitchFamily="18" charset="0"/>
-                <a:cs typeface="Times New Roman" panose="02020603050405020304" pitchFamily="18" charset="0"/>
-              </a:rPr>
-              <a:t>Biyun</a:t>
-            </a:r>
-            <a:r>
-              <a:rPr lang="en-US" sz="5600" i="1" dirty="0">
-                <a:solidFill>
-                  <a:schemeClr val="bg1"/>
-                </a:solidFill>
-                <a:latin typeface="Times New Roman" panose="02020603050405020304" pitchFamily="18" charset="0"/>
-                <a:cs typeface="Times New Roman" panose="02020603050405020304" pitchFamily="18" charset="0"/>
-              </a:rPr>
-              <a:t> </a:t>
-            </a:r>
-            <a:r>
-              <a:rPr lang="en-US" sz="5600" i="1" dirty="0" err="1">
-                <a:solidFill>
-                  <a:schemeClr val="bg1"/>
-                </a:solidFill>
-                <a:latin typeface="Times New Roman" panose="02020603050405020304" pitchFamily="18" charset="0"/>
-                <a:cs typeface="Times New Roman" panose="02020603050405020304" pitchFamily="18" charset="0"/>
-              </a:rPr>
-              <a:t>Xie</a:t>
-            </a:r>
-            <a:r>
-              <a:rPr lang="en-US" sz="5600" i="1" dirty="0">
-                <a:solidFill>
-                  <a:schemeClr val="bg1"/>
-                </a:solidFill>
-                <a:latin typeface="Times New Roman" panose="02020603050405020304" pitchFamily="18" charset="0"/>
-                <a:cs typeface="Times New Roman" panose="02020603050405020304" pitchFamily="18" charset="0"/>
-              </a:rPr>
-              <a:t> </a:t>
-            </a:r>
-            <a:r>
-              <a:rPr lang="en-US" sz="5600" i="1" dirty="0" err="1">
-                <a:solidFill>
-                  <a:schemeClr val="bg1"/>
-                </a:solidFill>
-                <a:latin typeface="Times New Roman" panose="02020603050405020304" pitchFamily="18" charset="0"/>
-                <a:cs typeface="Times New Roman" panose="02020603050405020304" pitchFamily="18" charset="0"/>
-              </a:rPr>
-              <a:t>Ph.D</a:t>
-            </a:r>
-            <a:r>
-              <a:rPr lang="en-US" sz="5600" i="1" dirty="0">
-                <a:solidFill>
-                  <a:schemeClr val="bg1"/>
-                </a:solidFill>
-                <a:latin typeface="Times New Roman" panose="02020603050405020304" pitchFamily="18" charset="0"/>
-                <a:cs typeface="Times New Roman" panose="02020603050405020304" pitchFamily="18" charset="0"/>
-              </a:rPr>
-              <a:t>, Michael Sama Ph.D.</a:t>
+              <a:t>Joshua Ashley, Biyun Xie Ph.D., Michael Sama Ph.D.</a:t>
             </a:r>
           </a:p>
           <a:p>
@@ -4537,7 +4475,7 @@
                 <a:latin typeface="Titillium Web" panose="00000500000000000000" pitchFamily="2" charset="0"/>
                 <a:cs typeface="Arial" pitchFamily="34" charset="0"/>
               </a:rPr>
-              <a:t>This focus of this research is to design a sensor-driven trajectory planning algorithm for fixed-wing aircraft to map the local atmospheric environment in real-time. The proposed application of this work is to be used in the event of a hazardous contaminant leak into the atmosphere as a  fleet of sensing Unmanned aerial systems (UASs) could provide information for evacuation measures.  The problem of creating optimal trajectory planning for exploration has been modelled accurately using partially-observable Markov decision processes (POMDP). Reinforcement learning (RL) is commonly applied to approximate optimal solutions within a POMDP as it can of be analytically intractable. This research produces a POMDP that describes this exploration problem and applies the state-of-the-art soft actor-critic (SAC) reinforcement learning algorithm to create a policy that produces near-optimal trajectories within this new POMDP.  A turn-taking strategy for using multiple UAVs is also proposed to help solve scalability problems with multi-UAV coordination. The learned policy from SAC can outperform a greedy and fixed trajectory on 1, 2, and 3 UAVs by a significant margin. The turn-talking strategy provides small, but repeatable scaling benefits. Overall, the proposed algorithm is effective in dynamic map exploration and has the potential to drastically increase UAV effectiveness as it is integrated into the larger project on real-world UAVs. </a:t>
+              <a:t>The focus of this research is to design a sensor-driven trajectory planning algorithm for fixed-wing aircraft to map the local atmospheric environment in real-time. The proposed application of this work is to be used in the event of a hazardous contaminant leak into the atmosphere as a fleet of sensing unmanned aerial vehicles (UAVs) could provide valuable information for evacuation measures.  The problem of creating optimal trajectory planning for exploration has been modelled accurately using partially-observable Markov decision processes (POMDP). Reinforcement learning (RL) is commonly applied to approximate optimal solutions within a POMDP as it can of be analytically intractable. This research produces a POMDP that describes this exploration problem and applies the state-of-the-art soft actor-critic (SAC) reinforcement learning algorithm to create a policy that produces near-optimal trajectories within this new POMDP.  A turn-taking strategy for using multiple UAVs is also proposed to help solve scalability problems with multi-UAV coordination. The learned policy from SAC can outperform a greedy and fixed trajectory on 1, 2, and 3 UAVs by a significant margin. The turn-talking strategy provides small, but repeatable scaling benefits. Overall, the proposed algorithm is effective in dynamic map exploration and has the potential to drastically increase UAV effectiveness as it is integrated into the larger project on real-world UAVs. </a:t>
             </a:r>
           </a:p>
         </p:txBody>
@@ -4708,21 +4646,7 @@
                 <a:effectLst/>
                 <a:latin typeface="Titillium Web" panose="00000500000000000000" pitchFamily="2" charset="0"/>
               </a:rPr>
-              <a:t>The overall goal of this work is to develop a real-time, sensor-driven flight system that can efficiently and accurately map the surrounding environment in the event of a major contaminant being introduced into the atmosphere [1]. The focus of this paper is to address the problem of creating a sensor-driven flight planner that makes substantial improvements to predetermined flight plans at providing data to assist in real-time modeling of local atmospheric properties. Exploring the local weather environment can be thought of as a map exploration problem which is accurately described as a partially-observable Markov decision process (POMDP) [3]. Optimizing over a reward that is governed by a POMDP is a notoriously intractable problem for complex state and action spaces. Paull L. et al. proposed a hexagonal map with a directed asynchronous graph (DAG) which drastically simplifies state and action space through discretization [4]. It is noted that this method requires relatively high online computation which reduces scalability. For multi-UAV systems reinforcement learning (RL) has been used to solve the problem with offline computation. Julian K. and </a:t>
-            </a:r>
-            <a:r>
-              <a:rPr lang="en-US" sz="2400" dirty="0" err="1">
-                <a:effectLst/>
-                <a:latin typeface="Titillium Web" panose="00000500000000000000" pitchFamily="2" charset="0"/>
-              </a:rPr>
-              <a:t>Kochenderfer</a:t>
-            </a:r>
-            <a:r>
-              <a:rPr lang="en-US" sz="2400" dirty="0">
-                <a:effectLst/>
-                <a:latin typeface="Titillium Web" panose="00000500000000000000" pitchFamily="2" charset="0"/>
-              </a:rPr>
-              <a:t> M. show the application of deep-Q networks (DQNs) in monitoring wildfires [5]. The proposed algorithm utilizes the POMDP model of exploration in conjunction with the Weather Research and Forecasting (WRF) model to accurately map a surrounding atmospheric environment. Multiple UAVs will be introduced to the simulation by having each UAV act atomically and in-sequence. Each UAV will choose a sequence of actions through the environment and then simulate the effect those actions may have on the map’s accuracy. This new simulated accuracy will be used for the next UAV to take its actions and then repeat the process, essentially implementing a turn-taking strategy. The proposed algorithm contributes three unique concepts to solving this trajectory planning problem: </a:t>
+              <a:t>The overall goal of this work is to develop a real-time, sensor-driven flight system that can efficiently and accurately map the surrounding environment in the event of a major contaminant being introduced into the atmosphere. The focus of this paper is to address the problem of creating a sensor-driven flight planner that makes substantial improvements to predetermined flight plans at providing data to assist in real-time modeling of local atmospheric properties. Exploring the local weather environment can be thought of as a map exploration problem which is accurately described as a partially-observable Markov decision process (POMDP). Optimizing over a reward that is governed by a POMDP is a notoriously intractable problem for complex state and action spaces. Paull L. et al. proposed a hexagonal map with a directed asynchronous graph (DAG) which drastically simplifies state and action space through discretization. It is noted that this method requires relatively high online computation which reduces scalability. For multi-UAV systems reinforcement learning (RL) has been used to solve the problem with offline computation. Julian K. and Kochenderfer M. show the application of deep-Q networks (DQNs) in monitoring wildfires. The proposed algorithm utilizes the POMDP model of exploration in conjunction with the Weather Research and Forecasting (WRF) model to accurately map a surrounding atmospheric environment. Multiple UAVs will be introduced to the simulation by having each UAV act atomically and in-sequence. Each UAV will choose a sequence of actions through the environment and then simulate the effect those actions may have on the map’s accuracy. This new simulated accuracy will be used for the next UAV to take its actions and then repeat the process, essentially implementing a turn-taking strategy. The proposed algorithm contributes three unique concepts to solving this trajectory planning problem: </a:t>
             </a:r>
           </a:p>
           <a:p>
@@ -4762,7 +4686,7 @@
                 <a:effectLst/>
                 <a:latin typeface="Titillium Web" panose="00000500000000000000" pitchFamily="2" charset="0"/>
               </a:rPr>
-              <a:t> The application of the preexisting Soft Actor-Critic (SAC) algorithm [] as an enhancement to RL in the UAV exploration and mapping problem.</a:t>
+              <a:t> The application of the preexisting Soft Actor-Critic (SAC) algorithm as an enhancement to RL in the UAV exploration and mapping problem.</a:t>
             </a:r>
           </a:p>
           <a:p>
@@ -4871,7 +4795,7 @@
               <a:r>
                 <a:rPr lang="en-US" sz="3600" dirty="0">
                   <a:solidFill>
-                    <a:srgbClr val="A33B3B"/>
+                    <a:schemeClr val="accent3"/>
                   </a:solidFill>
                   <a:latin typeface="Amaranth" panose="02000503050000020004" pitchFamily="2" charset="0"/>
                 </a:rPr>
@@ -4901,7 +4825,7 @@
               <a:avLst/>
             </a:prstGeom>
             <a:solidFill>
-              <a:srgbClr val="A33B3B"/>
+              <a:schemeClr val="accent3"/>
             </a:solidFill>
             <a:ln w="9525" cap="flat" cmpd="sng" algn="ctr">
               <a:noFill/>
@@ -5261,7 +5185,7 @@
         </p:nvGrpSpPr>
         <p:grpSpPr>
           <a:xfrm>
-            <a:off x="15278100" y="29428534"/>
+            <a:off x="15278100" y="29275096"/>
             <a:ext cx="2640640" cy="676142"/>
             <a:chOff x="21950516" y="7936248"/>
             <a:chExt cx="2640640" cy="676142"/>
@@ -5318,7 +5242,7 @@
               <a:r>
                 <a:rPr lang="en-US" sz="3600" dirty="0">
                   <a:solidFill>
-                    <a:srgbClr val="679955"/>
+                    <a:schemeClr val="accent2"/>
                   </a:solidFill>
                   <a:latin typeface="Amaranth" panose="02000503050000020004" pitchFamily="2" charset="0"/>
                 </a:rPr>
@@ -5348,7 +5272,7 @@
               <a:avLst/>
             </a:prstGeom>
             <a:solidFill>
-              <a:srgbClr val="679955"/>
+              <a:schemeClr val="accent2"/>
             </a:solidFill>
             <a:ln w="9525" cap="flat" cmpd="sng" algn="ctr">
               <a:noFill/>
@@ -5697,133 +5621,7 @@
                 <a:latin typeface="Titillium Web" panose="00000500000000000000" pitchFamily="2" charset="0"/>
                 <a:cs typeface="Arial" pitchFamily="34" charset="0"/>
               </a:rPr>
-              <a:t>Measuring information gain from the belief space is to quantify the entropy of a given belief space and compare the change in entropy from taking an action in each state. A confidence, c(</a:t>
-            </a:r>
-            <a:r>
-              <a:rPr lang="en-US" sz="2400" dirty="0" err="1">
-                <a:latin typeface="Titillium Web" panose="00000500000000000000" pitchFamily="2" charset="0"/>
-                <a:cs typeface="Arial" pitchFamily="34" charset="0"/>
-              </a:rPr>
-              <a:t>x,y</a:t>
-            </a:r>
-            <a:r>
-              <a:rPr lang="en-US" sz="2400" dirty="0">
-                <a:latin typeface="Titillium Web" panose="00000500000000000000" pitchFamily="2" charset="0"/>
-                <a:cs typeface="Arial" pitchFamily="34" charset="0"/>
-              </a:rPr>
-              <a:t>), is assigned to each point in M creating the set B = {c(</a:t>
-            </a:r>
-            <a:r>
-              <a:rPr lang="en-US" sz="2400" dirty="0" err="1">
-                <a:latin typeface="Titillium Web" panose="00000500000000000000" pitchFamily="2" charset="0"/>
-                <a:cs typeface="Arial" pitchFamily="34" charset="0"/>
-              </a:rPr>
-              <a:t>x,y</a:t>
-            </a:r>
-            <a:r>
-              <a:rPr lang="en-US" sz="2400" dirty="0">
-                <a:latin typeface="Titillium Web" panose="00000500000000000000" pitchFamily="2" charset="0"/>
-                <a:cs typeface="Arial" pitchFamily="34" charset="0"/>
-              </a:rPr>
-              <a:t>) ∀ (x, y)} which describes the confidence that the simulation has correctly predicted the measurement at each point. Therefore, event C(</a:t>
-            </a:r>
-            <a:r>
-              <a:rPr lang="en-US" sz="2400" dirty="0" err="1">
-                <a:latin typeface="Titillium Web" panose="00000500000000000000" pitchFamily="2" charset="0"/>
-                <a:cs typeface="Arial" pitchFamily="34" charset="0"/>
-              </a:rPr>
-              <a:t>x,y</a:t>
-            </a:r>
-            <a:r>
-              <a:rPr lang="en-US" sz="2400" dirty="0">
-                <a:latin typeface="Titillium Web" panose="00000500000000000000" pitchFamily="2" charset="0"/>
-                <a:cs typeface="Arial" pitchFamily="34" charset="0"/>
-              </a:rPr>
-              <a:t>) is the event that the simulation has predicted correctly at the location of (x, y), thus P(C(</a:t>
-            </a:r>
-            <a:r>
-              <a:rPr lang="en-US" sz="2400" dirty="0" err="1">
-                <a:latin typeface="Titillium Web" panose="00000500000000000000" pitchFamily="2" charset="0"/>
-                <a:cs typeface="Arial" pitchFamily="34" charset="0"/>
-              </a:rPr>
-              <a:t>x,y</a:t>
-            </a:r>
-            <a:r>
-              <a:rPr lang="en-US" sz="2400" dirty="0">
-                <a:latin typeface="Titillium Web" panose="00000500000000000000" pitchFamily="2" charset="0"/>
-                <a:cs typeface="Arial" pitchFamily="34" charset="0"/>
-              </a:rPr>
-              <a:t>) = correct) = c(</a:t>
-            </a:r>
-            <a:r>
-              <a:rPr lang="en-US" sz="2400" dirty="0" err="1">
-                <a:latin typeface="Titillium Web" panose="00000500000000000000" pitchFamily="2" charset="0"/>
-                <a:cs typeface="Arial" pitchFamily="34" charset="0"/>
-              </a:rPr>
-              <a:t>x,y</a:t>
-            </a:r>
-            <a:r>
-              <a:rPr lang="en-US" sz="2400" dirty="0">
-                <a:latin typeface="Titillium Web" panose="00000500000000000000" pitchFamily="2" charset="0"/>
-                <a:cs typeface="Arial" pitchFamily="34" charset="0"/>
-              </a:rPr>
-              <a:t>) and P(C(</a:t>
-            </a:r>
-            <a:r>
-              <a:rPr lang="en-US" sz="2400" dirty="0" err="1">
-                <a:latin typeface="Titillium Web" panose="00000500000000000000" pitchFamily="2" charset="0"/>
-                <a:cs typeface="Arial" pitchFamily="34" charset="0"/>
-              </a:rPr>
-              <a:t>x,y</a:t>
-            </a:r>
-            <a:r>
-              <a:rPr lang="en-US" sz="2400" dirty="0">
-                <a:latin typeface="Titillium Web" panose="00000500000000000000" pitchFamily="2" charset="0"/>
-                <a:cs typeface="Arial" pitchFamily="34" charset="0"/>
-              </a:rPr>
-              <a:t>) = incorrect) = 1 − c(</a:t>
-            </a:r>
-            <a:r>
-              <a:rPr lang="en-US" sz="2400" dirty="0" err="1">
-                <a:latin typeface="Titillium Web" panose="00000500000000000000" pitchFamily="2" charset="0"/>
-                <a:cs typeface="Arial" pitchFamily="34" charset="0"/>
-              </a:rPr>
-              <a:t>x,y</a:t>
-            </a:r>
-            <a:r>
-              <a:rPr lang="en-US" sz="2400" dirty="0">
-                <a:latin typeface="Titillium Web" panose="00000500000000000000" pitchFamily="2" charset="0"/>
-                <a:cs typeface="Arial" pitchFamily="34" charset="0"/>
-              </a:rPr>
-              <a:t>). P (C(</a:t>
-            </a:r>
-            <a:r>
-              <a:rPr lang="en-US" sz="2400" dirty="0" err="1">
-                <a:latin typeface="Titillium Web" panose="00000500000000000000" pitchFamily="2" charset="0"/>
-                <a:cs typeface="Arial" pitchFamily="34" charset="0"/>
-              </a:rPr>
-              <a:t>x,y</a:t>
-            </a:r>
-            <a:r>
-              <a:rPr lang="en-US" sz="2400" dirty="0">
-                <a:latin typeface="Titillium Web" panose="00000500000000000000" pitchFamily="2" charset="0"/>
-                <a:cs typeface="Arial" pitchFamily="34" charset="0"/>
-              </a:rPr>
-              <a:t>)|Z) is the effect the measurement has on the confidence at the point (x, y).  The information gain can then be derived by taking the change in entropy of P(C(</a:t>
-            </a:r>
-            <a:r>
-              <a:rPr lang="en-US" sz="2400" dirty="0" err="1">
-                <a:latin typeface="Titillium Web" panose="00000500000000000000" pitchFamily="2" charset="0"/>
-                <a:cs typeface="Arial" pitchFamily="34" charset="0"/>
-              </a:rPr>
-              <a:t>x,y</a:t>
-            </a:r>
-            <a:r>
-              <a:rPr lang="en-US" sz="2400" dirty="0">
-                <a:latin typeface="Titillium Web" panose="00000500000000000000" pitchFamily="2" charset="0"/>
-                <a:cs typeface="Arial" pitchFamily="34" charset="0"/>
-              </a:rPr>
-              <a:t>)|Z) at all points of x and y.  </a:t>
+              <a:t>Measuring information gain from the belief space is to quantify the entropy of a given belief space and compare the change in entropy from taking an action in each state. A confidence, c(x,y), is assigned to each point in M creating the set B = {c(x,y) ∀ (x, y)} which describes the confidence that the WRF model has correctly predicted the measurement at each point. Therefore, event C(x,y) is the event that the simulation has predicted correctly at the location of (x, y), thus P(C(x,y) = correct) = c(x,y) and P(C(x,y) = incorrect) = 1 − c(x,y). P(C(x,y)|Z) is the effect the measurement has on the confidence at the point (x, y).  The information gain can then be derived by taking the change in entropy of P(C(x,y)|Z) at all points of x and y.  </a:t>
             </a:r>
           </a:p>
           <a:p>
@@ -5855,8 +5653,8 @@
         </p:nvSpPr>
         <p:spPr bwMode="auto">
           <a:xfrm>
-            <a:off x="15121201" y="30246838"/>
-            <a:ext cx="13335000" cy="488110"/>
+            <a:off x="29145123" y="14650351"/>
+            <a:ext cx="13335000" cy="4551993"/>
           </a:xfrm>
           <a:prstGeom prst="rect">
             <a:avLst/>
@@ -5991,7 +5789,63 @@
                 <a:latin typeface="Titillium Web" panose="00000500000000000000" pitchFamily="2" charset="0"/>
                 <a:cs typeface="Arial" pitchFamily="34" charset="0"/>
               </a:rPr>
-              <a:t>Add your information, graphs and images to this section.</a:t>
+              <a:t>The agent surpasses the average fixed and greedy reward at approximately 200,000 training updates but continues to improve from their in both crash rate and average reward for the rest of the training up to 800,000 updates. Both fall dramatically for a short time as the UAV learns the simple dynamics of not crashing, but then reward grows less rapidly as it learns to properly exploit the available map.</a:t>
+            </a:r>
+          </a:p>
+          <a:p>
+            <a:pPr algn="just">
+              <a:lnSpc>
+                <a:spcPct val="110000"/>
+              </a:lnSpc>
+            </a:pPr>
+            <a:r>
+              <a:rPr lang="en-US" sz="2400" dirty="0">
+                <a:latin typeface="Titillium Web" panose="00000500000000000000" pitchFamily="2" charset="0"/>
+                <a:cs typeface="Arial" pitchFamily="34" charset="0"/>
+              </a:rPr>
+              <a:t>The following figure (</a:t>
+            </a:r>
+            <a:r>
+              <a:rPr lang="en-US" sz="2400" i="1" dirty="0">
+                <a:latin typeface="Titillium Web" panose="00000500000000000000" pitchFamily="2" charset="0"/>
+                <a:cs typeface="Arial" pitchFamily="34" charset="0"/>
+              </a:rPr>
+              <a:t>left</a:t>
+            </a:r>
+            <a:r>
+              <a:rPr lang="en-US" sz="2400" dirty="0">
+                <a:latin typeface="Titillium Web" panose="00000500000000000000" pitchFamily="2" charset="0"/>
+                <a:cs typeface="Arial" pitchFamily="34" charset="0"/>
+              </a:rPr>
+              <a:t>) shows the trajectory of each policy through a given environment. Confidence, c(x,y) is shown in color. As seen, the trained policy seeks out global minima of confidence in its flight while the greedy policy gets stuck. The fixed policy is agnostic to the confidence values and therefore encounters reward by chance. </a:t>
+            </a:r>
+          </a:p>
+          <a:p>
+            <a:pPr algn="just">
+              <a:lnSpc>
+                <a:spcPct val="110000"/>
+              </a:lnSpc>
+            </a:pPr>
+            <a:r>
+              <a:rPr lang="en-US" sz="2400" dirty="0">
+                <a:latin typeface="Titillium Web" panose="00000500000000000000" pitchFamily="2" charset="0"/>
+                <a:cs typeface="Arial" pitchFamily="34" charset="0"/>
+              </a:rPr>
+              <a:t>The scaling results (</a:t>
+            </a:r>
+            <a:r>
+              <a:rPr lang="en-US" sz="2400" i="1" dirty="0">
+                <a:latin typeface="Titillium Web" panose="00000500000000000000" pitchFamily="2" charset="0"/>
+                <a:cs typeface="Arial" pitchFamily="34" charset="0"/>
+              </a:rPr>
+              <a:t>right</a:t>
+            </a:r>
+            <a:r>
+              <a:rPr lang="en-US" sz="2400" dirty="0">
+                <a:latin typeface="Titillium Web" panose="00000500000000000000" pitchFamily="2" charset="0"/>
+                <a:cs typeface="Arial" pitchFamily="34" charset="0"/>
+              </a:rPr>
+              <a:t>) show the mean and standard deviation over 100 verification runs for each policy for 1, 2, and 3 UAVs. In all circumstances the learned policy outperforms the other policies, although with some struggle in scaling. </a:t>
             </a:r>
           </a:p>
         </p:txBody>
@@ -6067,7 +5921,7 @@
               <a:r>
                 <a:rPr lang="en-US" sz="3600" dirty="0">
                   <a:solidFill>
-                    <a:srgbClr val="A33B3B"/>
+                    <a:schemeClr val="accent4"/>
                   </a:solidFill>
                   <a:latin typeface="Amaranth" panose="02000503050000020004" pitchFamily="2" charset="0"/>
                 </a:rPr>
@@ -6097,7 +5951,7 @@
               <a:avLst/>
             </a:prstGeom>
             <a:solidFill>
-              <a:srgbClr val="A33B3B"/>
+              <a:schemeClr val="accent4"/>
             </a:solidFill>
             <a:ln w="9525" cap="flat" cmpd="sng" algn="ctr">
               <a:noFill/>
@@ -6231,7 +6085,7 @@
           </p:cNvPicPr>
           <p:nvPr/>
         </p:nvPicPr>
-        <p:blipFill>
+        <p:blipFill rotWithShape="1">
           <a:blip r:embed="rId4" cstate="print">
             <a:extLst>
               <a:ext uri="{28A0092B-C50C-407E-A947-70E740481C1C}">
@@ -6239,14 +6093,13 @@
               </a:ext>
             </a:extLst>
           </a:blip>
-          <a:stretch>
-            <a:fillRect/>
-          </a:stretch>
+          <a:srcRect b="11618"/>
+          <a:stretch/>
         </p:blipFill>
         <p:spPr>
           <a:xfrm>
             <a:off x="32521421" y="9092064"/>
-            <a:ext cx="6909188" cy="6024497"/>
+            <a:ext cx="6909188" cy="5324563"/>
           </a:xfrm>
           <a:prstGeom prst="rect">
             <a:avLst/>
@@ -6267,8 +6120,8 @@
         </p:nvGrpSpPr>
         <p:grpSpPr>
           <a:xfrm>
-            <a:off x="29271728" y="19087285"/>
-            <a:ext cx="6540895" cy="5659634"/>
+            <a:off x="29595938" y="19689423"/>
+            <a:ext cx="5841368" cy="5054355"/>
             <a:chOff x="2747381" y="12359622"/>
             <a:chExt cx="10462153" cy="9052578"/>
           </a:xfrm>
@@ -6635,7 +6488,7 @@
                 <a:latin typeface="Titillium Web" panose="00000500000000000000" pitchFamily="2" charset="0"/>
                 <a:cs typeface="Arial" pitchFamily="34" charset="0"/>
               </a:rPr>
-              <a:t>The full dataflow of the algorithm to establish and improve this belief map is shown below.  The measurement set, Z, is what each model forms its maps from which is then combined into a current state that the policy attempts to explore within the environment. </a:t>
+              <a:t>The full dataflow of the algorithm to establish and improve this belief map is shown below.  The maps are formed from their respective models given the information from the measurement set Z which is then combined into a current state that the policy attempts to explore within the environment. </a:t>
             </a:r>
           </a:p>
         </p:txBody>
@@ -6792,21 +6645,7 @@
                 <a:latin typeface="Titillium Web" panose="00000500000000000000" pitchFamily="2" charset="0"/>
                 <a:cs typeface="Arial" pitchFamily="34" charset="0"/>
               </a:rPr>
-              <a:t>The RL training algorithm SAC was used to generate a policy network for the prior described model. SAC trains 3 networks, one policy network and two deep-Q networks. The deep-Q networks approximate future potential rewards using mean squared Bellman error (MSBE) as a loss function [11]. These approximated Q-values are what is used in the loss function for the policy network as well as an entropy term such that the resulting stochastic policy also allows for sufficient exploration. SAC also employs the strategies dual-clipped Q networks, target networks with </a:t>
-            </a:r>
-            <a:r>
-              <a:rPr lang="en-US" sz="2400" dirty="0" err="1">
-                <a:latin typeface="Titillium Web" panose="00000500000000000000" pitchFamily="2" charset="0"/>
-                <a:cs typeface="Arial" pitchFamily="34" charset="0"/>
-              </a:rPr>
-              <a:t>Polyak</a:t>
-            </a:r>
-            <a:r>
-              <a:rPr lang="en-US" sz="2400" dirty="0">
-                <a:latin typeface="Titillium Web" panose="00000500000000000000" pitchFamily="2" charset="0"/>
-                <a:cs typeface="Arial" pitchFamily="34" charset="0"/>
-              </a:rPr>
-              <a:t> averaging, replay memory, and entropy regularization which is shown on the following figure describing the dataflow during training in SAC [9]. </a:t>
+              <a:t>The RL training algorithm SAC was used to generate a policy network for the prior described model. SAC trains 3 networks, one policy network and two deep-Q networks. The deep-Q networks approximate future potential rewards using mean squared Bellman error (MSBE) as a loss function. These approximated Q-values are what is used in the loss function for the policy network as well as an entropy term such that the resulting stochastic policy also allows for sufficient exploration. SAC also employs the strategies dual-clipped Q networks, target networks with Polyak averaging, replay memory, and entropy regularization which is shown on the following figure describing the dataflow during training in SAC. </a:t>
             </a:r>
           </a:p>
         </p:txBody>
@@ -6828,7 +6667,7 @@
         <p:spPr bwMode="auto">
           <a:xfrm>
             <a:off x="29145123" y="26433407"/>
-            <a:ext cx="13335000" cy="3333198"/>
+            <a:ext cx="13335000" cy="3739463"/>
           </a:xfrm>
           <a:prstGeom prst="rect">
             <a:avLst/>
@@ -7028,6 +6867,22 @@
               <a:t>Refine model training and turn-taking strategy. </a:t>
             </a:r>
           </a:p>
+          <a:p>
+            <a:pPr marL="342900" indent="-342900" algn="just">
+              <a:lnSpc>
+                <a:spcPct val="110000"/>
+              </a:lnSpc>
+              <a:buFont typeface="Arial" panose="020B0604020202020204" pitchFamily="34" charset="0"/>
+              <a:buChar char="•"/>
+            </a:pPr>
+            <a:r>
+              <a:rPr lang="en-US" sz="2400" dirty="0">
+                <a:latin typeface="Titillium Web" panose="00000500000000000000" pitchFamily="2" charset="0"/>
+                <a:cs typeface="Arial" pitchFamily="34" charset="0"/>
+              </a:rPr>
+              <a:t>Research submission to IEEE Robotics and Automation Letter (RAL).</a:t>
+            </a:r>
+          </a:p>
         </p:txBody>
       </p:sp>
       <p:grpSp>
@@ -7045,9 +6900,9 @@
         <p:grpSpPr>
           <a:xfrm>
             <a:off x="29271728" y="30370351"/>
-            <a:ext cx="4940543" cy="646331"/>
+            <a:ext cx="5431447" cy="646331"/>
             <a:chOff x="21945600" y="19087283"/>
-            <a:chExt cx="4940543" cy="646331"/>
+            <a:chExt cx="5431447" cy="646331"/>
           </a:xfrm>
         </p:grpSpPr>
         <p:sp>
@@ -7065,7 +6920,7 @@
           <p:spPr>
             <a:xfrm>
               <a:off x="22402800" y="19087283"/>
-              <a:ext cx="4483343" cy="646331"/>
+              <a:ext cx="4974247" cy="646331"/>
             </a:xfrm>
             <a:prstGeom prst="rect">
               <a:avLst/>
@@ -7101,11 +6956,11 @@
               <a:r>
                 <a:rPr lang="en-US" sz="3600" dirty="0">
                   <a:solidFill>
-                    <a:srgbClr val="A33B3B"/>
+                    <a:schemeClr val="accent4"/>
                   </a:solidFill>
                   <a:latin typeface="Amaranth" panose="02000503050000020004" pitchFamily="2" charset="0"/>
                 </a:rPr>
-                <a:t>Acknowledgements</a:t>
+                <a:t>ACKNOWLEDGEMENTS</a:t>
               </a:r>
             </a:p>
           </p:txBody>
@@ -7131,7 +6986,7 @@
               <a:avLst/>
             </a:prstGeom>
             <a:solidFill>
-              <a:srgbClr val="A33B3B"/>
+              <a:schemeClr val="accent4"/>
             </a:solidFill>
             <a:ln w="9525" cap="flat" cmpd="sng" algn="ctr">
               <a:noFill/>
@@ -7196,7 +7051,7 @@
         <p:spPr bwMode="auto">
           <a:xfrm>
             <a:off x="29145123" y="31331220"/>
-            <a:ext cx="13335000" cy="489343"/>
+            <a:ext cx="13335000" cy="895608"/>
           </a:xfrm>
           <a:prstGeom prst="rect">
             <a:avLst/>
@@ -7331,7 +7186,18 @@
                 <a:latin typeface="Titillium Web" panose="00000500000000000000" pitchFamily="2" charset="0"/>
                 <a:cs typeface="Arial" pitchFamily="34" charset="0"/>
               </a:rPr>
-              <a:t>This research has been supported by the Nation Science Foundation and the University of Kentucky.</a:t>
+              <a:t>This research has been supported by the Nation Science Foundation (NSF) Grant Number: </a:t>
+            </a:r>
+            <a:r>
+              <a:rPr lang="en-US" sz="2000" dirty="0"/>
+              <a:t>1932105</a:t>
+            </a:r>
+            <a:r>
+              <a:rPr lang="en-US" sz="2400" dirty="0">
+                <a:latin typeface="Titillium Web" panose="00000500000000000000" pitchFamily="2" charset="0"/>
+                <a:cs typeface="Arial" pitchFamily="34" charset="0"/>
+              </a:rPr>
+              <a:t> and the University of Kentucky.</a:t>
             </a:r>
           </a:p>
         </p:txBody>
@@ -7352,7 +7218,7 @@
         </p:nvSpPr>
         <p:spPr bwMode="auto">
           <a:xfrm>
-            <a:off x="1097280" y="29664621"/>
+            <a:off x="1074306" y="29508653"/>
             <a:ext cx="13335000" cy="3333198"/>
           </a:xfrm>
           <a:prstGeom prst="rect">
@@ -7535,187 +7401,12 @@
           </a:p>
         </p:txBody>
       </p:sp>
-    </p:spTree>
-  </p:cSld>
-  <p:clrMapOvr>
-    <a:masterClrMapping/>
-  </p:clrMapOvr>
-  <p:transition/>
-</p:sld>
-</file>
-
-<file path=ppt/slides/slide2.xml><?xml version="1.0" encoding="utf-8"?>
-<p:sld xmlns:a="http://schemas.openxmlformats.org/drawingml/2006/main" xmlns:r="http://schemas.openxmlformats.org/officeDocument/2006/relationships" xmlns:p="http://schemas.openxmlformats.org/presentationml/2006/main">
-  <p:cSld>
-    <p:spTree>
-      <p:nvGrpSpPr>
-        <p:cNvPr id="1" name=""/>
-        <p:cNvGrpSpPr/>
-        <p:nvPr/>
-      </p:nvGrpSpPr>
-      <p:grpSpPr>
-        <a:xfrm>
-          <a:off x="0" y="0"/>
-          <a:ext cx="0" cy="0"/>
-          <a:chOff x="0" y="0"/>
-          <a:chExt cx="0" cy="0"/>
-        </a:xfrm>
-      </p:grpSpPr>
-      <p:grpSp>
-        <p:nvGrpSpPr>
-          <p:cNvPr id="2" name="Group 1">
+      <p:sp>
+        <p:nvSpPr>
+          <p:cNvPr id="49" name="TextBox 19">
             <a:extLst>
               <a:ext uri="{FF2B5EF4-FFF2-40B4-BE49-F238E27FC236}">
-                <a16:creationId xmlns:a16="http://schemas.microsoft.com/office/drawing/2014/main" id="{9D424CD4-E973-D237-6861-2377FD466FF1}"/>
-              </a:ext>
-            </a:extLst>
-          </p:cNvPr>
-          <p:cNvGrpSpPr/>
-          <p:nvPr/>
-        </p:nvGrpSpPr>
-        <p:grpSpPr>
-          <a:xfrm>
-            <a:off x="22707600" y="17907000"/>
-            <a:ext cx="3612872" cy="646331"/>
-            <a:chOff x="21945600" y="19087283"/>
-            <a:chExt cx="3612872" cy="646331"/>
-          </a:xfrm>
-        </p:grpSpPr>
-        <p:sp>
-          <p:nvSpPr>
-            <p:cNvPr id="3" name="TextBox 2">
-              <a:extLst>
-                <a:ext uri="{FF2B5EF4-FFF2-40B4-BE49-F238E27FC236}">
-                  <a16:creationId xmlns:a16="http://schemas.microsoft.com/office/drawing/2014/main" id="{D2A2CBC5-D5B1-4123-AF40-382C31A0BBEE}"/>
-                </a:ext>
-              </a:extLst>
-            </p:cNvPr>
-            <p:cNvSpPr txBox="1"/>
-            <p:nvPr/>
-          </p:nvSpPr>
-          <p:spPr>
-            <a:xfrm>
-              <a:off x="22402800" y="19087283"/>
-              <a:ext cx="3155672" cy="646331"/>
-            </a:xfrm>
-            <a:prstGeom prst="rect">
-              <a:avLst/>
-            </a:prstGeom>
-            <a:ln>
-              <a:noFill/>
-            </a:ln>
-            <a:effectLst/>
-          </p:spPr>
-          <p:style>
-            <a:lnRef idx="2">
-              <a:schemeClr val="dk1"/>
-            </a:lnRef>
-            <a:fillRef idx="1">
-              <a:schemeClr val="lt1"/>
-            </a:fillRef>
-            <a:effectRef idx="0">
-              <a:schemeClr val="dk1"/>
-            </a:effectRef>
-            <a:fontRef idx="minor">
-              <a:schemeClr val="dk1"/>
-            </a:fontRef>
-          </p:style>
-          <p:txBody>
-            <a:bodyPr wrap="none" lIns="274320" rIns="274320" rtlCol="0">
-              <a:spAutoFit/>
-            </a:bodyPr>
-            <a:lstStyle/>
-            <a:p>
-              <a:pPr defTabSz="4702588">
-                <a:defRPr/>
-              </a:pPr>
-              <a:r>
-                <a:rPr lang="en-US" sz="3600" dirty="0">
-                  <a:solidFill>
-                    <a:srgbClr val="A33B3B"/>
-                  </a:solidFill>
-                  <a:latin typeface="Amaranth" panose="02000503050000020004" pitchFamily="2" charset="0"/>
-                </a:rPr>
-                <a:t>REFERENCES</a:t>
-              </a:r>
-            </a:p>
-          </p:txBody>
-        </p:sp>
-        <p:sp>
-          <p:nvSpPr>
-            <p:cNvPr id="4" name="Rectangle 3">
-              <a:extLst>
-                <a:ext uri="{FF2B5EF4-FFF2-40B4-BE49-F238E27FC236}">
-                  <a16:creationId xmlns:a16="http://schemas.microsoft.com/office/drawing/2014/main" id="{9DE216AB-DF30-08AB-5980-105FF3D52ED3}"/>
-                </a:ext>
-              </a:extLst>
-            </p:cNvPr>
-            <p:cNvSpPr/>
-            <p:nvPr/>
-          </p:nvSpPr>
-          <p:spPr bwMode="auto">
-            <a:xfrm>
-              <a:off x="21945600" y="19087283"/>
-              <a:ext cx="457200" cy="646331"/>
-            </a:xfrm>
-            <a:prstGeom prst="rect">
-              <a:avLst/>
-            </a:prstGeom>
-            <a:solidFill>
-              <a:srgbClr val="A33B3B"/>
-            </a:solidFill>
-            <a:ln w="9525" cap="flat" cmpd="sng" algn="ctr">
-              <a:noFill/>
-              <a:prstDash val="solid"/>
-              <a:round/>
-              <a:headEnd type="none" w="med" len="med"/>
-              <a:tailEnd type="none" w="med" len="med"/>
-            </a:ln>
-            <a:effectLst/>
-          </p:spPr>
-          <p:txBody>
-            <a:bodyPr vert="horz" wrap="square" lIns="91440" tIns="45720" rIns="91440" bIns="45720" numCol="1" rtlCol="0" anchor="t" anchorCtr="0" compatLnSpc="1">
-              <a:prstTxWarp prst="textNoShape">
-                <a:avLst/>
-              </a:prstTxWarp>
-            </a:bodyPr>
-            <a:lstStyle/>
-            <a:p>
-              <a:pPr marL="0" marR="0" indent="0" algn="l" defTabSz="4703763" rtl="0" eaLnBrk="1" fontAlgn="base" latinLnBrk="0" hangingPunct="1">
-                <a:lnSpc>
-                  <a:spcPct val="100000"/>
-                </a:lnSpc>
-                <a:spcBef>
-                  <a:spcPct val="0"/>
-                </a:spcBef>
-                <a:spcAft>
-                  <a:spcPct val="0"/>
-                </a:spcAft>
-                <a:buClrTx/>
-                <a:buSzTx/>
-                <a:buFontTx/>
-                <a:buNone/>
-              </a:pPr>
-              <a:endParaRPr kumimoji="0" lang="en-US" sz="4500" b="0" i="0" u="none" strike="noStrike" cap="none" normalizeH="0" baseline="0">
-                <a:ln>
-                  <a:noFill/>
-                </a:ln>
-                <a:solidFill>
-                  <a:schemeClr val="tx1"/>
-                </a:solidFill>
-                <a:effectLst/>
-                <a:latin typeface="Arial" pitchFamily="34" charset="0"/>
-              </a:endParaRPr>
-            </a:p>
-          </p:txBody>
-        </p:sp>
-      </p:grpSp>
-      <p:sp>
-        <p:nvSpPr>
-          <p:cNvPr id="5" name="TextBox 19">
-            <a:extLst>
-              <a:ext uri="{FF2B5EF4-FFF2-40B4-BE49-F238E27FC236}">
-                <a16:creationId xmlns:a16="http://schemas.microsoft.com/office/drawing/2014/main" id="{6CB4E66C-BEB3-C9D5-3341-F0086C2955DE}"/>
+                <a16:creationId xmlns:a16="http://schemas.microsoft.com/office/drawing/2014/main" id="{96DD0C1A-4496-C1EC-84B1-E8B8B1669154}"/>
               </a:ext>
             </a:extLst>
           </p:cNvPr>
@@ -7726,8 +7417,8 @@
         </p:nvSpPr>
         <p:spPr bwMode="auto">
           <a:xfrm>
-            <a:off x="22707600" y="18973800"/>
-            <a:ext cx="10000895" cy="7395849"/>
+            <a:off x="15121201" y="30007607"/>
+            <a:ext cx="13335000" cy="2926933"/>
           </a:xfrm>
           <a:prstGeom prst="rect">
             <a:avLst/>
@@ -7862,300 +7553,17 @@
                 <a:latin typeface="Titillium Web" panose="00000500000000000000" pitchFamily="2" charset="0"/>
                 <a:cs typeface="Arial" pitchFamily="34" charset="0"/>
               </a:rPr>
-              <a:t>1. S. </a:t>
-            </a:r>
-            <a:r>
-              <a:rPr lang="en-US" sz="2400" dirty="0" err="1">
-                <a:latin typeface="Titillium Web" panose="00000500000000000000" pitchFamily="2" charset="0"/>
-                <a:cs typeface="Arial" pitchFamily="34" charset="0"/>
-              </a:rPr>
-              <a:t>Devarakonda</a:t>
-            </a:r>
-            <a:r>
-              <a:rPr lang="en-US" sz="2400" dirty="0">
-                <a:latin typeface="Titillium Web" panose="00000500000000000000" pitchFamily="2" charset="0"/>
-                <a:cs typeface="Arial" pitchFamily="34" charset="0"/>
-              </a:rPr>
-              <a:t>, P. </a:t>
-            </a:r>
-            <a:r>
-              <a:rPr lang="en-US" sz="2400" dirty="0" err="1">
-                <a:latin typeface="Titillium Web" panose="00000500000000000000" pitchFamily="2" charset="0"/>
-                <a:cs typeface="Arial" pitchFamily="34" charset="0"/>
-              </a:rPr>
-              <a:t>Sevusu</a:t>
-            </a:r>
-            <a:r>
-              <a:rPr lang="en-US" sz="2400" dirty="0">
-                <a:latin typeface="Titillium Web" panose="00000500000000000000" pitchFamily="2" charset="0"/>
-                <a:cs typeface="Arial" pitchFamily="34" charset="0"/>
-              </a:rPr>
-              <a:t>, H. Liu, R. Liu, L. </a:t>
-            </a:r>
-            <a:r>
-              <a:rPr lang="en-US" sz="2400" dirty="0" err="1">
-                <a:latin typeface="Titillium Web" panose="00000500000000000000" pitchFamily="2" charset="0"/>
-                <a:cs typeface="Arial" pitchFamily="34" charset="0"/>
-              </a:rPr>
-              <a:t>Iftode</a:t>
-            </a:r>
-            <a:r>
-              <a:rPr lang="en-US" sz="2400" dirty="0">
-                <a:latin typeface="Titillium Web" panose="00000500000000000000" pitchFamily="2" charset="0"/>
-                <a:cs typeface="Arial" pitchFamily="34" charset="0"/>
-              </a:rPr>
-              <a:t>, and B. Nath, “Real-time air quality monitoring through mobile sensing in metropolitan areas,” in Proceedings of the 2nd ACM SIGKDD international workshop on urban computing, pp. 1–8, 2013.</a:t>
-            </a:r>
-          </a:p>
-          <a:p>
-            <a:pPr algn="just">
-              <a:lnSpc>
-                <a:spcPct val="110000"/>
-              </a:lnSpc>
-            </a:pPr>
-            <a:r>
-              <a:rPr lang="en-US" sz="2400" dirty="0">
-                <a:latin typeface="Titillium Web" panose="00000500000000000000" pitchFamily="2" charset="0"/>
-                <a:cs typeface="Arial" pitchFamily="34" charset="0"/>
-              </a:rPr>
-              <a:t>3. S. </a:t>
-            </a:r>
-            <a:r>
-              <a:rPr lang="en-US" sz="2400" dirty="0" err="1">
-                <a:latin typeface="Titillium Web" panose="00000500000000000000" pitchFamily="2" charset="0"/>
-                <a:cs typeface="Arial" pitchFamily="34" charset="0"/>
-              </a:rPr>
-              <a:t>Thrun</a:t>
-            </a:r>
-            <a:r>
-              <a:rPr lang="en-US" sz="2400" dirty="0">
-                <a:latin typeface="Titillium Web" panose="00000500000000000000" pitchFamily="2" charset="0"/>
-                <a:cs typeface="Arial" pitchFamily="34" charset="0"/>
-              </a:rPr>
-              <a:t>, W. </a:t>
-            </a:r>
-            <a:r>
-              <a:rPr lang="en-US" sz="2400" dirty="0" err="1">
-                <a:latin typeface="Titillium Web" panose="00000500000000000000" pitchFamily="2" charset="0"/>
-                <a:cs typeface="Arial" pitchFamily="34" charset="0"/>
-              </a:rPr>
-              <a:t>Burgard</a:t>
-            </a:r>
-            <a:r>
-              <a:rPr lang="en-US" sz="2400" dirty="0">
-                <a:latin typeface="Titillium Web" panose="00000500000000000000" pitchFamily="2" charset="0"/>
-                <a:cs typeface="Arial" pitchFamily="34" charset="0"/>
-              </a:rPr>
-              <a:t>, and D. Fox, “</a:t>
-            </a:r>
-            <a:r>
-              <a:rPr lang="en-US" sz="2400" dirty="0" err="1">
-                <a:latin typeface="Titillium Web" panose="00000500000000000000" pitchFamily="2" charset="0"/>
-                <a:cs typeface="Arial" pitchFamily="34" charset="0"/>
-              </a:rPr>
-              <a:t>Probalistic</a:t>
-            </a:r>
-            <a:r>
-              <a:rPr lang="en-US" sz="2400" dirty="0">
-                <a:latin typeface="Titillium Web" panose="00000500000000000000" pitchFamily="2" charset="0"/>
-                <a:cs typeface="Arial" pitchFamily="34" charset="0"/>
-              </a:rPr>
-              <a:t> robotics,” </a:t>
-            </a:r>
-            <a:r>
-              <a:rPr lang="en-US" sz="2400" dirty="0" err="1">
-                <a:latin typeface="Titillium Web" panose="00000500000000000000" pitchFamily="2" charset="0"/>
-                <a:cs typeface="Arial" pitchFamily="34" charset="0"/>
-              </a:rPr>
-              <a:t>Kybernetes</a:t>
-            </a:r>
-            <a:r>
-              <a:rPr lang="en-US" sz="2400" dirty="0">
-                <a:latin typeface="Titillium Web" panose="00000500000000000000" pitchFamily="2" charset="0"/>
-                <a:cs typeface="Arial" pitchFamily="34" charset="0"/>
-              </a:rPr>
-              <a:t>, 2006.</a:t>
-            </a:r>
-          </a:p>
-          <a:p>
-            <a:pPr algn="just">
-              <a:lnSpc>
-                <a:spcPct val="110000"/>
-              </a:lnSpc>
-            </a:pPr>
-            <a:r>
-              <a:rPr lang="en-US" sz="2400" dirty="0">
-                <a:latin typeface="Titillium Web" panose="00000500000000000000" pitchFamily="2" charset="0"/>
-                <a:cs typeface="Arial" pitchFamily="34" charset="0"/>
-              </a:rPr>
-              <a:t>4. K. D. Julian and M. J. </a:t>
-            </a:r>
-            <a:r>
-              <a:rPr lang="en-US" sz="2400" dirty="0" err="1">
-                <a:latin typeface="Titillium Web" panose="00000500000000000000" pitchFamily="2" charset="0"/>
-                <a:cs typeface="Arial" pitchFamily="34" charset="0"/>
-              </a:rPr>
-              <a:t>Kochenderfer</a:t>
-            </a:r>
-            <a:r>
-              <a:rPr lang="en-US" sz="2400" dirty="0">
-                <a:latin typeface="Titillium Web" panose="00000500000000000000" pitchFamily="2" charset="0"/>
-                <a:cs typeface="Arial" pitchFamily="34" charset="0"/>
-              </a:rPr>
-              <a:t>, “Distributed wildfire surveillance with autonomous aircraft using deep reinforcement learning,” Journal of Guidance, Control, and Dynamics, vol. 42, no. 8, pp. 1768–1778, 2019.</a:t>
-            </a:r>
-          </a:p>
-          <a:p>
-            <a:pPr algn="just">
-              <a:lnSpc>
-                <a:spcPct val="110000"/>
-              </a:lnSpc>
-            </a:pPr>
-            <a:r>
-              <a:rPr lang="en-US" sz="2400" dirty="0">
-                <a:latin typeface="Titillium Web" panose="00000500000000000000" pitchFamily="2" charset="0"/>
-                <a:cs typeface="Arial" pitchFamily="34" charset="0"/>
-              </a:rPr>
-              <a:t>5. L. Paull, C. Thibault, A. </a:t>
-            </a:r>
-            <a:r>
-              <a:rPr lang="en-US" sz="2400" dirty="0" err="1">
-                <a:latin typeface="Titillium Web" panose="00000500000000000000" pitchFamily="2" charset="0"/>
-                <a:cs typeface="Arial" pitchFamily="34" charset="0"/>
-              </a:rPr>
-              <a:t>Nagaty</a:t>
-            </a:r>
-            <a:r>
-              <a:rPr lang="en-US" sz="2400" dirty="0">
-                <a:latin typeface="Titillium Web" panose="00000500000000000000" pitchFamily="2" charset="0"/>
-                <a:cs typeface="Arial" pitchFamily="34" charset="0"/>
-              </a:rPr>
-              <a:t>, M. </a:t>
-            </a:r>
-            <a:r>
-              <a:rPr lang="en-US" sz="2400" dirty="0" err="1">
-                <a:latin typeface="Titillium Web" panose="00000500000000000000" pitchFamily="2" charset="0"/>
-                <a:cs typeface="Arial" pitchFamily="34" charset="0"/>
-              </a:rPr>
-              <a:t>Seto</a:t>
-            </a:r>
-            <a:r>
-              <a:rPr lang="en-US" sz="2400" dirty="0">
-                <a:latin typeface="Titillium Web" panose="00000500000000000000" pitchFamily="2" charset="0"/>
-                <a:cs typeface="Arial" pitchFamily="34" charset="0"/>
-              </a:rPr>
-              <a:t>, and H. Li, “Sensor-driven area coverage for an autonomous fixed-wing unmanned aerial vehicle,” IEEE Transactions on Cybernetics, vol. 44, no. 9, pp. 1605–1618, 2014</a:t>
-            </a:r>
-          </a:p>
-          <a:p>
-            <a:pPr algn="just">
-              <a:lnSpc>
-                <a:spcPct val="110000"/>
-              </a:lnSpc>
-            </a:pPr>
-            <a:r>
-              <a:rPr lang="en-US" sz="2400" dirty="0">
-                <a:latin typeface="Titillium Web" panose="00000500000000000000" pitchFamily="2" charset="0"/>
-                <a:cs typeface="Arial" pitchFamily="34" charset="0"/>
-              </a:rPr>
-              <a:t>9. T. </a:t>
-            </a:r>
-            <a:r>
-              <a:rPr lang="en-US" sz="2400" dirty="0" err="1">
-                <a:latin typeface="Titillium Web" panose="00000500000000000000" pitchFamily="2" charset="0"/>
-                <a:cs typeface="Arial" pitchFamily="34" charset="0"/>
-              </a:rPr>
-              <a:t>Haarnoja</a:t>
-            </a:r>
-            <a:r>
-              <a:rPr lang="en-US" sz="2400" dirty="0">
-                <a:latin typeface="Titillium Web" panose="00000500000000000000" pitchFamily="2" charset="0"/>
-                <a:cs typeface="Arial" pitchFamily="34" charset="0"/>
-              </a:rPr>
-              <a:t>, A. Zhou, P. </a:t>
-            </a:r>
-            <a:r>
-              <a:rPr lang="en-US" sz="2400" dirty="0" err="1">
-                <a:latin typeface="Titillium Web" panose="00000500000000000000" pitchFamily="2" charset="0"/>
-                <a:cs typeface="Arial" pitchFamily="34" charset="0"/>
-              </a:rPr>
-              <a:t>Abbeel</a:t>
-            </a:r>
-            <a:r>
-              <a:rPr lang="en-US" sz="2400" dirty="0">
-                <a:latin typeface="Titillium Web" panose="00000500000000000000" pitchFamily="2" charset="0"/>
-                <a:cs typeface="Arial" pitchFamily="34" charset="0"/>
-              </a:rPr>
-              <a:t>, and S. Levine, “Soft actor-critic: Off-policy maximum entropy deep reinforcement learning with a stochastic actor,” in Proceedings of the 35th International Conference on Machine Learning (J. Dy and A. Krause, eds.), vol. 80 of Proceedings of Machine Learning Research, pp. 1861–1870, PMLR, 10–15 Jul 2018</a:t>
-            </a:r>
-          </a:p>
-          <a:p>
-            <a:pPr algn="just">
-              <a:lnSpc>
-                <a:spcPct val="110000"/>
-              </a:lnSpc>
-            </a:pPr>
-            <a:r>
-              <a:rPr lang="en-US" sz="2400" dirty="0">
-                <a:latin typeface="Titillium Web" panose="00000500000000000000" pitchFamily="2" charset="0"/>
-                <a:cs typeface="Arial" pitchFamily="34" charset="0"/>
-              </a:rPr>
-              <a:t>11. R. S. Sutton and A. G. </a:t>
-            </a:r>
-            <a:r>
-              <a:rPr lang="en-US" sz="2400" dirty="0" err="1">
-                <a:latin typeface="Titillium Web" panose="00000500000000000000" pitchFamily="2" charset="0"/>
-                <a:cs typeface="Arial" pitchFamily="34" charset="0"/>
-              </a:rPr>
-              <a:t>Barto</a:t>
-            </a:r>
-            <a:r>
-              <a:rPr lang="en-US" sz="2400" dirty="0">
-                <a:latin typeface="Titillium Web" panose="00000500000000000000" pitchFamily="2" charset="0"/>
-                <a:cs typeface="Arial" pitchFamily="34" charset="0"/>
-              </a:rPr>
-              <a:t>, Reinforcement Learning: An Introduction. The MIT Press, second ed., 2018.</a:t>
+              <a:t>During and after training, the agent is put through periodic verifications runs in the simulation environment. The reward for these runs  we recorded along with a ‘crash rate’ which signified that the plane went outside of the boundary.  ‘Crash rate’ does not signify a catastrophic failure. The following graph shows the average reward of the agent as it accrued more training updates through the algorithm. Benchmark lines of the average greedy reward and fixed reward are also shown to give a comparison of what level of relative reward is the agent obtaining at each point in training. Each point is 40 verification runs.</a:t>
             </a:r>
           </a:p>
         </p:txBody>
       </p:sp>
-    </p:spTree>
-    <p:extLst>
-      <p:ext uri="{BB962C8B-B14F-4D97-AF65-F5344CB8AC3E}">
-        <p14:creationId xmlns:p14="http://schemas.microsoft.com/office/powerpoint/2010/main" val="2807496925"/>
-      </p:ext>
-    </p:extLst>
-  </p:cSld>
-  <p:clrMapOvr>
-    <a:masterClrMapping/>
-  </p:clrMapOvr>
-  <p:transition/>
-</p:sld>
-</file>
-
-<file path=ppt/slides/slide3.xml><?xml version="1.0" encoding="utf-8"?>
-<p:sld xmlns:a="http://schemas.openxmlformats.org/drawingml/2006/main" xmlns:r="http://schemas.openxmlformats.org/officeDocument/2006/relationships" xmlns:p="http://schemas.openxmlformats.org/presentationml/2006/main">
-  <p:cSld>
-    <p:spTree>
-      <p:nvGrpSpPr>
-        <p:cNvPr id="1" name=""/>
-        <p:cNvGrpSpPr/>
-        <p:nvPr/>
-      </p:nvGrpSpPr>
-      <p:grpSpPr>
-        <a:xfrm>
-          <a:off x="0" y="0"/>
-          <a:ext cx="0" cy="0"/>
-          <a:chOff x="0" y="0"/>
-          <a:chExt cx="0" cy="0"/>
-        </a:xfrm>
-      </p:grpSpPr>
       <p:pic>
         <p:nvPicPr>
-          <p:cNvPr id="11" name="Picture 10" descr="Chart, line chart, scatter chart&#10;&#10;Description automatically generated">
+          <p:cNvPr id="52" name="Picture 51" descr="A picture containing text, clipart&#10;&#10;Description automatically generated">
             <a:extLst>
               <a:ext uri="{FF2B5EF4-FFF2-40B4-BE49-F238E27FC236}">
-                <a16:creationId xmlns:a16="http://schemas.microsoft.com/office/drawing/2014/main" id="{9B694A69-78C2-EE30-07E6-C7905A86CFE1}"/>
+                <a16:creationId xmlns:a16="http://schemas.microsoft.com/office/drawing/2014/main" id="{554D05DC-ED0C-F520-6077-F4AF9A1D6F6B}"/>
               </a:ext>
             </a:extLst>
           </p:cNvPr>
@@ -8165,7 +7573,7 @@
           <p:nvPr/>
         </p:nvPicPr>
         <p:blipFill>
-          <a:blip r:embed="rId2" cstate="print">
+          <a:blip r:embed="rId11">
             <a:extLst>
               <a:ext uri="{28A0092B-C50C-407E-A947-70E740481C1C}">
                 <a14:useLocalDpi xmlns:a14="http://schemas.microsoft.com/office/drawing/2010/main" val="0"/>
@@ -8178,184 +7586,20 @@
         </p:blipFill>
         <p:spPr>
           <a:xfrm>
-            <a:off x="34322957" y="944916"/>
-            <a:ext cx="5962448" cy="5406627"/>
+            <a:off x="35244792" y="4226640"/>
+            <a:ext cx="6450072" cy="1672719"/>
           </a:xfrm>
           <a:prstGeom prst="rect">
             <a:avLst/>
           </a:prstGeom>
         </p:spPr>
       </p:pic>
-      <p:grpSp>
-        <p:nvGrpSpPr>
-          <p:cNvPr id="34" name="Group 33">
+      <p:pic>
+        <p:nvPicPr>
+          <p:cNvPr id="22" name="Picture 21" descr="Text&#10;&#10;Description automatically generated">
             <a:extLst>
               <a:ext uri="{FF2B5EF4-FFF2-40B4-BE49-F238E27FC236}">
-                <a16:creationId xmlns:a16="http://schemas.microsoft.com/office/drawing/2014/main" id="{3D547898-4C3D-A50C-4741-3C7FFDD258FF}"/>
-              </a:ext>
-            </a:extLst>
-          </p:cNvPr>
-          <p:cNvGrpSpPr/>
-          <p:nvPr/>
-        </p:nvGrpSpPr>
-        <p:grpSpPr>
-          <a:xfrm>
-            <a:off x="33326198" y="5795034"/>
-            <a:ext cx="8101988" cy="7010400"/>
-            <a:chOff x="2747381" y="12359622"/>
-            <a:chExt cx="10462153" cy="9052578"/>
-          </a:xfrm>
-        </p:grpSpPr>
-        <p:pic>
-          <p:nvPicPr>
-            <p:cNvPr id="5" name="Picture 4" descr="Chart, histogram&#10;&#10;Description automatically generated">
-              <a:extLst>
-                <a:ext uri="{FF2B5EF4-FFF2-40B4-BE49-F238E27FC236}">
-                  <a16:creationId xmlns:a16="http://schemas.microsoft.com/office/drawing/2014/main" id="{0DEE85ED-A4DF-CB3C-5D90-24952D4F93B4}"/>
-                </a:ext>
-              </a:extLst>
-            </p:cNvPr>
-            <p:cNvPicPr>
-              <a:picLocks noChangeAspect="1"/>
-            </p:cNvPicPr>
-            <p:nvPr/>
-          </p:nvPicPr>
-          <p:blipFill>
-            <a:blip r:embed="rId3" cstate="print">
-              <a:extLst>
-                <a:ext uri="{28A0092B-C50C-407E-A947-70E740481C1C}">
-                  <a14:useLocalDpi xmlns:a14="http://schemas.microsoft.com/office/drawing/2010/main" val="0"/>
-                </a:ext>
-              </a:extLst>
-            </a:blip>
-            <a:stretch>
-              <a:fillRect/>
-            </a:stretch>
-          </p:blipFill>
-          <p:spPr>
-            <a:xfrm>
-              <a:off x="7579866" y="12359622"/>
-              <a:ext cx="5629667" cy="4526289"/>
-            </a:xfrm>
-            <a:prstGeom prst="rect">
-              <a:avLst/>
-            </a:prstGeom>
-          </p:spPr>
-        </p:pic>
-        <p:pic>
-          <p:nvPicPr>
-            <p:cNvPr id="7" name="Picture 6" descr="Chart, histogram&#10;&#10;Description automatically generated">
-              <a:extLst>
-                <a:ext uri="{FF2B5EF4-FFF2-40B4-BE49-F238E27FC236}">
-                  <a16:creationId xmlns:a16="http://schemas.microsoft.com/office/drawing/2014/main" id="{2E1EA7E1-8492-9B37-CB55-741BDE27D73C}"/>
-                </a:ext>
-              </a:extLst>
-            </p:cNvPr>
-            <p:cNvPicPr>
-              <a:picLocks noChangeAspect="1"/>
-            </p:cNvPicPr>
-            <p:nvPr/>
-          </p:nvPicPr>
-          <p:blipFill rotWithShape="1">
-            <a:blip r:embed="rId4" cstate="print">
-              <a:extLst>
-                <a:ext uri="{28A0092B-C50C-407E-A947-70E740481C1C}">
-                  <a14:useLocalDpi xmlns:a14="http://schemas.microsoft.com/office/drawing/2010/main" val="0"/>
-                </a:ext>
-              </a:extLst>
-            </a:blip>
-            <a:srcRect r="18828"/>
-            <a:stretch/>
-          </p:blipFill>
-          <p:spPr>
-            <a:xfrm>
-              <a:off x="2761895" y="16887747"/>
-              <a:ext cx="4705705" cy="4524453"/>
-            </a:xfrm>
-            <a:prstGeom prst="rect">
-              <a:avLst/>
-            </a:prstGeom>
-          </p:spPr>
-        </p:pic>
-        <p:pic>
-          <p:nvPicPr>
-            <p:cNvPr id="9" name="Picture 8" descr="Chart, histogram&#10;&#10;Description automatically generated">
-              <a:extLst>
-                <a:ext uri="{FF2B5EF4-FFF2-40B4-BE49-F238E27FC236}">
-                  <a16:creationId xmlns:a16="http://schemas.microsoft.com/office/drawing/2014/main" id="{132207CA-DF1D-1AD1-339F-B68D78D556D3}"/>
-                </a:ext>
-              </a:extLst>
-            </p:cNvPr>
-            <p:cNvPicPr>
-              <a:picLocks noChangeAspect="1"/>
-            </p:cNvPicPr>
-            <p:nvPr/>
-          </p:nvPicPr>
-          <p:blipFill>
-            <a:blip r:embed="rId5" cstate="print">
-              <a:extLst>
-                <a:ext uri="{28A0092B-C50C-407E-A947-70E740481C1C}">
-                  <a14:useLocalDpi xmlns:a14="http://schemas.microsoft.com/office/drawing/2010/main" val="0"/>
-                </a:ext>
-              </a:extLst>
-            </a:blip>
-            <a:stretch>
-              <a:fillRect/>
-            </a:stretch>
-          </p:blipFill>
-          <p:spPr>
-            <a:xfrm>
-              <a:off x="7579867" y="16885911"/>
-              <a:ext cx="5629667" cy="4526289"/>
-            </a:xfrm>
-            <a:prstGeom prst="rect">
-              <a:avLst/>
-            </a:prstGeom>
-          </p:spPr>
-        </p:pic>
-        <p:pic>
-          <p:nvPicPr>
-            <p:cNvPr id="15" name="Picture 14" descr="Chart, histogram&#10;&#10;Description automatically generated">
-              <a:extLst>
-                <a:ext uri="{FF2B5EF4-FFF2-40B4-BE49-F238E27FC236}">
-                  <a16:creationId xmlns:a16="http://schemas.microsoft.com/office/drawing/2014/main" id="{8BAA5E56-EA38-B7E8-289D-113DE8803582}"/>
-                </a:ext>
-              </a:extLst>
-            </p:cNvPr>
-            <p:cNvPicPr>
-              <a:picLocks noChangeAspect="1"/>
-            </p:cNvPicPr>
-            <p:nvPr/>
-          </p:nvPicPr>
-          <p:blipFill>
-            <a:blip r:embed="rId6" cstate="print">
-              <a:extLst>
-                <a:ext uri="{28A0092B-C50C-407E-A947-70E740481C1C}">
-                  <a14:useLocalDpi xmlns:a14="http://schemas.microsoft.com/office/drawing/2010/main" val="0"/>
-                </a:ext>
-              </a:extLst>
-            </a:blip>
-            <a:stretch>
-              <a:fillRect/>
-            </a:stretch>
-          </p:blipFill>
-          <p:spPr>
-            <a:xfrm>
-              <a:off x="2747381" y="12359622"/>
-              <a:ext cx="4832486" cy="4526289"/>
-            </a:xfrm>
-            <a:prstGeom prst="rect">
-              <a:avLst/>
-            </a:prstGeom>
-          </p:spPr>
-        </p:pic>
-      </p:grpSp>
-      <p:pic>
-        <p:nvPicPr>
-          <p:cNvPr id="19" name="Picture 18" descr="A picture containing diagram&#10;&#10;Description automatically generated">
-            <a:extLst>
-              <a:ext uri="{FF2B5EF4-FFF2-40B4-BE49-F238E27FC236}">
-                <a16:creationId xmlns:a16="http://schemas.microsoft.com/office/drawing/2014/main" id="{F3D39AE3-C450-62C2-8A0B-4D7C30A2D5E9}"/>
+                <a16:creationId xmlns:a16="http://schemas.microsoft.com/office/drawing/2014/main" id="{0EDB80B1-04C2-4C1A-5B8C-187D5E274DDF}"/>
               </a:ext>
             </a:extLst>
           </p:cNvPr>
@@ -8365,7 +7609,7 @@
           <p:nvPr/>
         </p:nvPicPr>
         <p:blipFill>
-          <a:blip r:embed="rId7" cstate="print">
+          <a:blip r:embed="rId12" cstate="print">
             <a:extLst>
               <a:ext uri="{28A0092B-C50C-407E-A947-70E740481C1C}">
                 <a14:useLocalDpi xmlns:a14="http://schemas.microsoft.com/office/drawing/2010/main" val="0"/>
@@ -8378,364 +7622,15 @@
         </p:blipFill>
         <p:spPr>
           <a:xfrm>
-            <a:off x="22894152" y="4738006"/>
-            <a:ext cx="5374133" cy="6553200"/>
+            <a:off x="2196336" y="3562806"/>
+            <a:ext cx="6450072" cy="2529865"/>
           </a:xfrm>
           <a:prstGeom prst="rect">
             <a:avLst/>
           </a:prstGeom>
         </p:spPr>
       </p:pic>
-      <p:pic>
-        <p:nvPicPr>
-          <p:cNvPr id="25" name="Picture 24" descr="Chart, bar chart&#10;&#10;Description automatically generated">
-            <a:extLst>
-              <a:ext uri="{FF2B5EF4-FFF2-40B4-BE49-F238E27FC236}">
-                <a16:creationId xmlns:a16="http://schemas.microsoft.com/office/drawing/2014/main" id="{AAABAA85-58C5-CB0A-E50F-EB8236BBF8B4}"/>
-              </a:ext>
-            </a:extLst>
-          </p:cNvPr>
-          <p:cNvPicPr>
-            <a:picLocks noChangeAspect="1"/>
-          </p:cNvPicPr>
-          <p:nvPr/>
-        </p:nvPicPr>
-        <p:blipFill>
-          <a:blip r:embed="rId8" cstate="print">
-            <a:extLst>
-              <a:ext uri="{28A0092B-C50C-407E-A947-70E740481C1C}">
-                <a14:useLocalDpi xmlns:a14="http://schemas.microsoft.com/office/drawing/2010/main" val="0"/>
-              </a:ext>
-            </a:extLst>
-          </a:blip>
-          <a:stretch>
-            <a:fillRect/>
-          </a:stretch>
-        </p:blipFill>
-        <p:spPr>
-          <a:xfrm>
-            <a:off x="33618850" y="13296189"/>
-            <a:ext cx="6540895" cy="3887622"/>
-          </a:xfrm>
-          <a:prstGeom prst="rect">
-            <a:avLst/>
-          </a:prstGeom>
-        </p:spPr>
-      </p:pic>
-      <p:pic>
-        <p:nvPicPr>
-          <p:cNvPr id="31" name="Picture 30" descr="Diagram&#10;&#10;Description automatically generated">
-            <a:extLst>
-              <a:ext uri="{FF2B5EF4-FFF2-40B4-BE49-F238E27FC236}">
-                <a16:creationId xmlns:a16="http://schemas.microsoft.com/office/drawing/2014/main" id="{AF96526F-F2F3-7BB1-D73C-82E2A2F327BA}"/>
-              </a:ext>
-            </a:extLst>
-          </p:cNvPr>
-          <p:cNvPicPr>
-            <a:picLocks noChangeAspect="1"/>
-          </p:cNvPicPr>
-          <p:nvPr/>
-        </p:nvPicPr>
-        <p:blipFill>
-          <a:blip r:embed="rId9">
-            <a:extLst>
-              <a:ext uri="{28A0092B-C50C-407E-A947-70E740481C1C}">
-                <a14:useLocalDpi xmlns:a14="http://schemas.microsoft.com/office/drawing/2010/main" val="0"/>
-              </a:ext>
-            </a:extLst>
-          </a:blip>
-          <a:stretch>
-            <a:fillRect/>
-          </a:stretch>
-        </p:blipFill>
-        <p:spPr>
-          <a:xfrm>
-            <a:off x="17983200" y="23469600"/>
-            <a:ext cx="6191168" cy="5134565"/>
-          </a:xfrm>
-          <a:prstGeom prst="rect">
-            <a:avLst/>
-          </a:prstGeom>
-        </p:spPr>
-      </p:pic>
-      <p:grpSp>
-        <p:nvGrpSpPr>
-          <p:cNvPr id="43" name="Group 42">
-            <a:extLst>
-              <a:ext uri="{FF2B5EF4-FFF2-40B4-BE49-F238E27FC236}">
-                <a16:creationId xmlns:a16="http://schemas.microsoft.com/office/drawing/2014/main" id="{416FB03C-3FE2-5409-5A62-2DF076C93225}"/>
-              </a:ext>
-            </a:extLst>
-          </p:cNvPr>
-          <p:cNvGrpSpPr/>
-          <p:nvPr/>
-        </p:nvGrpSpPr>
-        <p:grpSpPr>
-          <a:xfrm>
-            <a:off x="15468600" y="5503106"/>
-            <a:ext cx="7813189" cy="5781173"/>
-            <a:chOff x="9197651" y="5569143"/>
-            <a:chExt cx="10485576" cy="7758539"/>
-          </a:xfrm>
-        </p:grpSpPr>
-        <p:pic>
-          <p:nvPicPr>
-            <p:cNvPr id="23" name="Picture 22" descr="Chart&#10;&#10;Description automatically generated">
-              <a:extLst>
-                <a:ext uri="{FF2B5EF4-FFF2-40B4-BE49-F238E27FC236}">
-                  <a16:creationId xmlns:a16="http://schemas.microsoft.com/office/drawing/2014/main" id="{2CDD3000-1162-D8AA-FEDC-8B46E2B51B84}"/>
-                </a:ext>
-              </a:extLst>
-            </p:cNvPr>
-            <p:cNvPicPr>
-              <a:picLocks noChangeAspect="1"/>
-            </p:cNvPicPr>
-            <p:nvPr/>
-          </p:nvPicPr>
-          <p:blipFill>
-            <a:blip r:embed="rId10">
-              <a:extLst>
-                <a:ext uri="{28A0092B-C50C-407E-A947-70E740481C1C}">
-                  <a14:useLocalDpi xmlns:a14="http://schemas.microsoft.com/office/drawing/2010/main" val="0"/>
-                </a:ext>
-              </a:extLst>
-            </a:blip>
-            <a:stretch>
-              <a:fillRect/>
-            </a:stretch>
-          </p:blipFill>
-          <p:spPr>
-            <a:xfrm>
-              <a:off x="14850741" y="9250272"/>
-              <a:ext cx="4832486" cy="4077410"/>
-            </a:xfrm>
-            <a:prstGeom prst="rect">
-              <a:avLst/>
-            </a:prstGeom>
-          </p:spPr>
-        </p:pic>
-        <p:pic>
-          <p:nvPicPr>
-            <p:cNvPr id="29" name="Picture 28" descr="Chart&#10;&#10;Description automatically generated">
-              <a:extLst>
-                <a:ext uri="{FF2B5EF4-FFF2-40B4-BE49-F238E27FC236}">
-                  <a16:creationId xmlns:a16="http://schemas.microsoft.com/office/drawing/2014/main" id="{B2F1F708-11D6-F5D4-7B73-FF3743E7F8E5}"/>
-                </a:ext>
-              </a:extLst>
-            </p:cNvPr>
-            <p:cNvPicPr>
-              <a:picLocks noChangeAspect="1"/>
-            </p:cNvPicPr>
-            <p:nvPr/>
-          </p:nvPicPr>
-          <p:blipFill>
-            <a:blip r:embed="rId11">
-              <a:extLst>
-                <a:ext uri="{28A0092B-C50C-407E-A947-70E740481C1C}">
-                  <a14:useLocalDpi xmlns:a14="http://schemas.microsoft.com/office/drawing/2010/main" val="0"/>
-                </a:ext>
-              </a:extLst>
-            </a:blip>
-            <a:stretch>
-              <a:fillRect/>
-            </a:stretch>
-          </p:blipFill>
-          <p:spPr>
-            <a:xfrm>
-              <a:off x="14850741" y="5569143"/>
-              <a:ext cx="4832486" cy="3971700"/>
-            </a:xfrm>
-            <a:prstGeom prst="rect">
-              <a:avLst/>
-            </a:prstGeom>
-          </p:spPr>
-        </p:pic>
-        <p:pic>
-          <p:nvPicPr>
-            <p:cNvPr id="33" name="Picture 32" descr="Chart, histogram&#10;&#10;Description automatically generated">
-              <a:extLst>
-                <a:ext uri="{FF2B5EF4-FFF2-40B4-BE49-F238E27FC236}">
-                  <a16:creationId xmlns:a16="http://schemas.microsoft.com/office/drawing/2014/main" id="{15C84D3B-DE6A-9A92-FE84-3D7666F086C5}"/>
-                </a:ext>
-              </a:extLst>
-            </p:cNvPr>
-            <p:cNvPicPr>
-              <a:picLocks noChangeAspect="1"/>
-            </p:cNvPicPr>
-            <p:nvPr/>
-          </p:nvPicPr>
-          <p:blipFill>
-            <a:blip r:embed="rId12">
-              <a:extLst>
-                <a:ext uri="{28A0092B-C50C-407E-A947-70E740481C1C}">
-                  <a14:useLocalDpi xmlns:a14="http://schemas.microsoft.com/office/drawing/2010/main" val="0"/>
-                </a:ext>
-              </a:extLst>
-            </a:blip>
-            <a:stretch>
-              <a:fillRect/>
-            </a:stretch>
-          </p:blipFill>
-          <p:spPr>
-            <a:xfrm>
-              <a:off x="9197651" y="7554993"/>
-              <a:ext cx="4832486" cy="4001904"/>
-            </a:xfrm>
-            <a:prstGeom prst="rect">
-              <a:avLst/>
-            </a:prstGeom>
-          </p:spPr>
-        </p:pic>
-        <p:cxnSp>
-          <p:nvCxnSpPr>
-            <p:cNvPr id="38" name="Connector: Elbow 37">
-              <a:extLst>
-                <a:ext uri="{FF2B5EF4-FFF2-40B4-BE49-F238E27FC236}">
-                  <a16:creationId xmlns:a16="http://schemas.microsoft.com/office/drawing/2014/main" id="{A524C3E5-9C23-7122-AC98-6D0E55DAC73F}"/>
-                </a:ext>
-              </a:extLst>
-            </p:cNvPr>
-            <p:cNvCxnSpPr>
-              <a:stCxn id="33" idx="3"/>
-              <a:endCxn id="29" idx="1"/>
-            </p:cNvCxnSpPr>
-            <p:nvPr/>
-          </p:nvCxnSpPr>
-          <p:spPr bwMode="auto">
-            <a:xfrm flipV="1">
-              <a:off x="14030137" y="7554993"/>
-              <a:ext cx="820604" cy="2000952"/>
-            </a:xfrm>
-            <a:prstGeom prst="bentConnector3">
-              <a:avLst/>
-            </a:prstGeom>
-            <a:solidFill>
-              <a:schemeClr val="accent1"/>
-            </a:solidFill>
-            <a:ln w="28575" cap="flat" cmpd="sng" algn="ctr">
-              <a:solidFill>
-                <a:schemeClr val="tx1"/>
-              </a:solidFill>
-              <a:prstDash val="solid"/>
-              <a:round/>
-              <a:headEnd type="none" w="med" len="med"/>
-              <a:tailEnd type="triangle"/>
-            </a:ln>
-            <a:effectLst/>
-            <a:extLst>
-              <a:ext uri="{AF507438-7753-43E0-B8FC-AC1667EBCBE1}">
-                <a14:hiddenEffects xmlns:a14="http://schemas.microsoft.com/office/drawing/2010/main">
-                  <a:effectLst>
-                    <a:outerShdw dist="35921" dir="2700000" algn="ctr" rotWithShape="0">
-                      <a:schemeClr val="bg2"/>
-                    </a:outerShdw>
-                  </a:effectLst>
-                </a14:hiddenEffects>
-              </a:ext>
-            </a:extLst>
-          </p:spPr>
-        </p:cxnSp>
-        <p:cxnSp>
-          <p:nvCxnSpPr>
-            <p:cNvPr id="39" name="Connector: Elbow 38">
-              <a:extLst>
-                <a:ext uri="{FF2B5EF4-FFF2-40B4-BE49-F238E27FC236}">
-                  <a16:creationId xmlns:a16="http://schemas.microsoft.com/office/drawing/2014/main" id="{CB78E1D9-C64D-A558-A971-3ED9C1D1D370}"/>
-                </a:ext>
-              </a:extLst>
-            </p:cNvPr>
-            <p:cNvCxnSpPr>
-              <a:stCxn id="33" idx="3"/>
-              <a:endCxn id="23" idx="1"/>
-            </p:cNvCxnSpPr>
-            <p:nvPr/>
-          </p:nvCxnSpPr>
-          <p:spPr bwMode="auto">
-            <a:xfrm>
-              <a:off x="14030137" y="9555945"/>
-              <a:ext cx="820604" cy="1733032"/>
-            </a:xfrm>
-            <a:prstGeom prst="bentConnector3">
-              <a:avLst>
-                <a:gd name="adj1" fmla="val 50000"/>
-              </a:avLst>
-            </a:prstGeom>
-            <a:solidFill>
-              <a:schemeClr val="accent1"/>
-            </a:solidFill>
-            <a:ln w="28575" cap="flat" cmpd="sng" algn="ctr">
-              <a:solidFill>
-                <a:schemeClr val="tx1"/>
-              </a:solidFill>
-              <a:prstDash val="solid"/>
-              <a:round/>
-              <a:headEnd type="none" w="med" len="med"/>
-              <a:tailEnd type="triangle"/>
-            </a:ln>
-            <a:effectLst/>
-            <a:extLst>
-              <a:ext uri="{AF507438-7753-43E0-B8FC-AC1667EBCBE1}">
-                <a14:hiddenEffects xmlns:a14="http://schemas.microsoft.com/office/drawing/2010/main">
-                  <a:effectLst>
-                    <a:outerShdw dist="35921" dir="2700000" algn="ctr" rotWithShape="0">
-                      <a:schemeClr val="bg2"/>
-                    </a:outerShdw>
-                  </a:effectLst>
-                </a14:hiddenEffects>
-              </a:ext>
-            </a:extLst>
-          </p:spPr>
-        </p:cxnSp>
-        <p:sp>
-          <p:nvSpPr>
-            <p:cNvPr id="42" name="TextBox 41">
-              <a:extLst>
-                <a:ext uri="{FF2B5EF4-FFF2-40B4-BE49-F238E27FC236}">
-                  <a16:creationId xmlns:a16="http://schemas.microsoft.com/office/drawing/2014/main" id="{8F7B0CD1-B8F6-32C5-63C3-BACA83615956}"/>
-                </a:ext>
-              </a:extLst>
-            </p:cNvPr>
-            <p:cNvSpPr txBox="1"/>
-            <p:nvPr/>
-          </p:nvSpPr>
-          <p:spPr>
-            <a:xfrm>
-              <a:off x="13563600" y="6878937"/>
-              <a:ext cx="1515741" cy="523220"/>
-            </a:xfrm>
-            <a:prstGeom prst="rect">
-              <a:avLst/>
-            </a:prstGeom>
-            <a:noFill/>
-          </p:spPr>
-          <p:txBody>
-            <a:bodyPr wrap="square" rtlCol="0">
-              <a:spAutoFit/>
-            </a:bodyPr>
-            <a:lstStyle/>
-            <a:p>
-              <a:pPr algn="ctr"/>
-              <a:r>
-                <a:rPr lang="en-US" sz="1400" dirty="0"/>
-                <a:t>Measurement</a:t>
-              </a:r>
-            </a:p>
-            <a:p>
-              <a:pPr algn="ctr"/>
-              <a:r>
-                <a:rPr lang="en-US" sz="1400" dirty="0"/>
-                <a:t>Taken</a:t>
-              </a:r>
-            </a:p>
-          </p:txBody>
-        </p:sp>
-      </p:grpSp>
     </p:spTree>
-    <p:extLst>
-      <p:ext uri="{BB962C8B-B14F-4D97-AF65-F5344CB8AC3E}">
-        <p14:creationId xmlns:p14="http://schemas.microsoft.com/office/powerpoint/2010/main" val="3063388001"/>
-      </p:ext>
-    </p:extLst>
   </p:cSld>
   <p:clrMapOvr>
     <a:masterClrMapping/>
